--- a/assets/img/freeCodeCamp.pptx
+++ b/assets/img/freeCodeCamp.pptx
@@ -6,6 +6,7 @@
   </p:sldMasterIdLst>
   <p:sldIdLst>
     <p:sldId id="256" r:id="rId2"/>
+    <p:sldId id="257" r:id="rId3"/>
   </p:sldIdLst>
   <p:sldSz cx="12192000" cy="6858000"/>
   <p:notesSz cx="6858000" cy="9144000"/>
@@ -104,6 +105,11 @@
       </a:defRPr>
     </a:lvl9pPr>
   </p:defaultTextStyle>
+  <p:extLst>
+    <p:ext uri="{EFAFB233-063F-42B5-8137-9DF3F51BA10A}">
+      <p15:sldGuideLst xmlns:p15="http://schemas.microsoft.com/office/powerpoint/2012/main"/>
+    </p:ext>
+  </p:extLst>
 </p:presentation>
 </file>
 
@@ -3406,6 +3412,105 @@
 </p:sld>
 </file>
 
+<file path=ppt/slides/slide2.xml><?xml version="1.0" encoding="utf-8"?>
+<p:sld xmlns:a="http://schemas.openxmlformats.org/drawingml/2006/main" xmlns:r="http://schemas.openxmlformats.org/officeDocument/2006/relationships" xmlns:p="http://schemas.openxmlformats.org/presentationml/2006/main">
+  <p:cSld>
+    <p:spTree>
+      <p:nvGrpSpPr>
+        <p:cNvPr id="1" name=""/>
+        <p:cNvGrpSpPr/>
+        <p:nvPr/>
+      </p:nvGrpSpPr>
+      <p:grpSpPr>
+        <a:xfrm>
+          <a:off x="0" y="0"/>
+          <a:ext cx="0" cy="0"/>
+          <a:chOff x="0" y="0"/>
+          <a:chExt cx="0" cy="0"/>
+        </a:xfrm>
+      </p:grpSpPr>
+      <p:sp>
+        <p:nvSpPr>
+          <p:cNvPr id="2" name="Title 1">
+            <a:extLst>
+              <a:ext uri="{FF2B5EF4-FFF2-40B4-BE49-F238E27FC236}">
+                <a16:creationId xmlns:a16="http://schemas.microsoft.com/office/drawing/2014/main" id="{968A57E5-6E79-8BDD-E475-57D954E15960}"/>
+              </a:ext>
+            </a:extLst>
+          </p:cNvPr>
+          <p:cNvSpPr>
+            <a:spLocks noGrp="1"/>
+          </p:cNvSpPr>
+          <p:nvPr>
+            <p:ph type="ctrTitle"/>
+          </p:nvPr>
+        </p:nvSpPr>
+        <p:spPr>
+          <a:xfrm>
+            <a:off x="1324708" y="4240702"/>
+            <a:ext cx="9144000" cy="2387600"/>
+          </a:xfrm>
+        </p:spPr>
+        <p:txBody>
+          <a:bodyPr>
+            <a:noAutofit/>
+          </a:bodyPr>
+          <a:lstStyle/>
+          <a:p>
+            <a:r>
+              <a:rPr lang="en-CA" sz="10000" b="0" dirty="0">
+                <a:solidFill>
+                  <a:srgbClr val="000000"/>
+                </a:solidFill>
+                <a:effectLst/>
+                <a:latin typeface="Consolas" panose="020B0609020204030204" pitchFamily="49" charset="0"/>
+              </a:rPr>
+              <a:t>Debugging</a:t>
+            </a:r>
+            <a:br>
+              <a:rPr lang="en-CA" sz="10000" b="0" dirty="0">
+                <a:solidFill>
+                  <a:srgbClr val="000000"/>
+                </a:solidFill>
+                <a:effectLst/>
+                <a:latin typeface="Consolas" panose="020B0609020204030204" pitchFamily="49" charset="0"/>
+              </a:rPr>
+            </a:br>
+            <a:br>
+              <a:rPr lang="en-CA" sz="3600" b="0" dirty="0">
+                <a:solidFill>
+                  <a:srgbClr val="000000"/>
+                </a:solidFill>
+                <a:effectLst/>
+                <a:latin typeface="Consolas" panose="020B0609020204030204" pitchFamily="49" charset="0"/>
+              </a:rPr>
+            </a:br>
+            <a:br>
+              <a:rPr lang="en-CA" sz="10000" b="0" dirty="0">
+                <a:solidFill>
+                  <a:srgbClr val="000000"/>
+                </a:solidFill>
+                <a:effectLst/>
+                <a:latin typeface="Consolas" panose="020B0609020204030204" pitchFamily="49" charset="0"/>
+              </a:rPr>
+            </a:br>
+            <a:endParaRPr lang="en-CA" sz="10000" dirty="0"/>
+          </a:p>
+        </p:txBody>
+      </p:sp>
+    </p:spTree>
+    <p:extLst>
+      <p:ext uri="{BB962C8B-B14F-4D97-AF65-F5344CB8AC3E}">
+        <p14:creationId xmlns:p14="http://schemas.microsoft.com/office/powerpoint/2010/main" val="22845904"/>
+      </p:ext>
+    </p:extLst>
+  </p:cSld>
+  <p:clrMapOvr>
+    <a:masterClrMapping/>
+  </p:clrMapOvr>
+</p:sld>
+</file>
+
 <file path=ppt/theme/theme1.xml><?xml version="1.0" encoding="utf-8"?>
 <a:theme xmlns:a="http://schemas.openxmlformats.org/drawingml/2006/main" name="Office Theme">
   <a:themeElements>

--- a/assets/img/freeCodeCamp.pptx
+++ b/assets/img/freeCodeCamp.pptx
@@ -6,7 +6,8 @@
   </p:sldMasterIdLst>
   <p:sldIdLst>
     <p:sldId id="256" r:id="rId2"/>
-    <p:sldId id="257" r:id="rId3"/>
+    <p:sldId id="258" r:id="rId3"/>
+    <p:sldId id="259" r:id="rId4"/>
   </p:sldIdLst>
   <p:sldSz cx="12192000" cy="6858000"/>
   <p:notesSz cx="6858000" cy="9144000"/>
@@ -3366,7 +3367,7 @@
         </p:nvSpPr>
         <p:spPr>
           <a:xfrm>
-            <a:off x="1324708" y="4240702"/>
+            <a:off x="1395046" y="5131656"/>
             <a:ext cx="9144000" cy="2387600"/>
           </a:xfrm>
         </p:spPr>
@@ -3396,6 +3397,44 @@
               </a:rPr>
             </a:br>
             <a:endParaRPr lang="en-CA" sz="10000" dirty="0"/>
+          </a:p>
+        </p:txBody>
+      </p:sp>
+      <p:sp>
+        <p:nvSpPr>
+          <p:cNvPr id="3" name="TextBox 2">
+            <a:extLst>
+              <a:ext uri="{FF2B5EF4-FFF2-40B4-BE49-F238E27FC236}">
+                <a16:creationId xmlns:a16="http://schemas.microsoft.com/office/drawing/2014/main" id="{3DB39387-5664-8139-736E-F2650F9D1233}"/>
+              </a:ext>
+            </a:extLst>
+          </p:cNvPr>
+          <p:cNvSpPr txBox="1"/>
+          <p:nvPr/>
+        </p:nvSpPr>
+        <p:spPr>
+          <a:xfrm>
+            <a:off x="1781908" y="937846"/>
+            <a:ext cx="8370276" cy="1015663"/>
+          </a:xfrm>
+          <a:prstGeom prst="rect">
+            <a:avLst/>
+          </a:prstGeom>
+          <a:noFill/>
+        </p:spPr>
+        <p:txBody>
+          <a:bodyPr wrap="square" rtlCol="0">
+            <a:spAutoFit/>
+          </a:bodyPr>
+          <a:lstStyle/>
+          <a:p>
+            <a:pPr algn="ctr"/>
+            <a:r>
+              <a:rPr lang="en-CA" sz="6000" dirty="0">
+                <a:latin typeface="Consolas" panose="020B0609020204030204" pitchFamily="49" charset="0"/>
+              </a:rPr>
+              <a:t>freeCodeCamp</a:t>
+            </a:r>
           </a:p>
         </p:txBody>
       </p:sp>
@@ -3447,7 +3486,7 @@
         </p:nvSpPr>
         <p:spPr>
           <a:xfrm>
-            <a:off x="1324708" y="4240702"/>
+            <a:off x="1395046" y="3532554"/>
             <a:ext cx="9144000" cy="2387600"/>
           </a:xfrm>
         </p:spPr>
@@ -3465,26 +3504,8 @@
                 <a:effectLst/>
                 <a:latin typeface="Consolas" panose="020B0609020204030204" pitchFamily="49" charset="0"/>
               </a:rPr>
-              <a:t>Debugging</a:t>
-            </a:r>
-            <a:br>
-              <a:rPr lang="en-CA" sz="10000" b="0" dirty="0">
-                <a:solidFill>
-                  <a:srgbClr val="000000"/>
-                </a:solidFill>
-                <a:effectLst/>
-                <a:latin typeface="Consolas" panose="020B0609020204030204" pitchFamily="49" charset="0"/>
-              </a:rPr>
-            </a:br>
-            <a:br>
-              <a:rPr lang="en-CA" sz="3600" b="0" dirty="0">
-                <a:solidFill>
-                  <a:srgbClr val="000000"/>
-                </a:solidFill>
-                <a:effectLst/>
-                <a:latin typeface="Consolas" panose="020B0609020204030204" pitchFamily="49" charset="0"/>
-              </a:rPr>
-            </a:br>
+              <a:t>Debugging </a:t>
+            </a:r>
             <a:br>
               <a:rPr lang="en-CA" sz="10000" b="0" dirty="0">
                 <a:solidFill>
@@ -3498,10 +3519,169 @@
           </a:p>
         </p:txBody>
       </p:sp>
+      <p:sp>
+        <p:nvSpPr>
+          <p:cNvPr id="3" name="TextBox 2">
+            <a:extLst>
+              <a:ext uri="{FF2B5EF4-FFF2-40B4-BE49-F238E27FC236}">
+                <a16:creationId xmlns:a16="http://schemas.microsoft.com/office/drawing/2014/main" id="{3DB39387-5664-8139-736E-F2650F9D1233}"/>
+              </a:ext>
+            </a:extLst>
+          </p:cNvPr>
+          <p:cNvSpPr txBox="1"/>
+          <p:nvPr/>
+        </p:nvSpPr>
+        <p:spPr>
+          <a:xfrm>
+            <a:off x="1781908" y="937846"/>
+            <a:ext cx="8370276" cy="1015663"/>
+          </a:xfrm>
+          <a:prstGeom prst="rect">
+            <a:avLst/>
+          </a:prstGeom>
+          <a:noFill/>
+        </p:spPr>
+        <p:txBody>
+          <a:bodyPr wrap="square" rtlCol="0">
+            <a:spAutoFit/>
+          </a:bodyPr>
+          <a:lstStyle/>
+          <a:p>
+            <a:pPr algn="ctr"/>
+            <a:r>
+              <a:rPr lang="en-CA" sz="6000" dirty="0">
+                <a:latin typeface="Consolas" panose="020B0609020204030204" pitchFamily="49" charset="0"/>
+              </a:rPr>
+              <a:t>freeCodeCamp</a:t>
+            </a:r>
+          </a:p>
+        </p:txBody>
+      </p:sp>
     </p:spTree>
     <p:extLst>
       <p:ext uri="{BB962C8B-B14F-4D97-AF65-F5344CB8AC3E}">
-        <p14:creationId xmlns:p14="http://schemas.microsoft.com/office/powerpoint/2010/main" val="22845904"/>
+        <p14:creationId xmlns:p14="http://schemas.microsoft.com/office/powerpoint/2010/main" val="1829347397"/>
+      </p:ext>
+    </p:extLst>
+  </p:cSld>
+  <p:clrMapOvr>
+    <a:masterClrMapping/>
+  </p:clrMapOvr>
+</p:sld>
+</file>
+
+<file path=ppt/slides/slide3.xml><?xml version="1.0" encoding="utf-8"?>
+<p:sld xmlns:a="http://schemas.openxmlformats.org/drawingml/2006/main" xmlns:r="http://schemas.openxmlformats.org/officeDocument/2006/relationships" xmlns:p="http://schemas.openxmlformats.org/presentationml/2006/main">
+  <p:cSld>
+    <p:spTree>
+      <p:nvGrpSpPr>
+        <p:cNvPr id="1" name=""/>
+        <p:cNvGrpSpPr/>
+        <p:nvPr/>
+      </p:nvGrpSpPr>
+      <p:grpSpPr>
+        <a:xfrm>
+          <a:off x="0" y="0"/>
+          <a:ext cx="0" cy="0"/>
+          <a:chOff x="0" y="0"/>
+          <a:chExt cx="0" cy="0"/>
+        </a:xfrm>
+      </p:grpSpPr>
+      <p:sp>
+        <p:nvSpPr>
+          <p:cNvPr id="2" name="Title 1">
+            <a:extLst>
+              <a:ext uri="{FF2B5EF4-FFF2-40B4-BE49-F238E27FC236}">
+                <a16:creationId xmlns:a16="http://schemas.microsoft.com/office/drawing/2014/main" id="{968A57E5-6E79-8BDD-E475-57D954E15960}"/>
+              </a:ext>
+            </a:extLst>
+          </p:cNvPr>
+          <p:cNvSpPr>
+            <a:spLocks noGrp="1"/>
+          </p:cNvSpPr>
+          <p:nvPr>
+            <p:ph type="ctrTitle"/>
+          </p:nvPr>
+        </p:nvSpPr>
+        <p:spPr>
+          <a:xfrm>
+            <a:off x="1395046" y="5131656"/>
+            <a:ext cx="9144000" cy="2387600"/>
+          </a:xfrm>
+        </p:spPr>
+        <p:txBody>
+          <a:bodyPr>
+            <a:noAutofit/>
+          </a:bodyPr>
+          <a:lstStyle/>
+          <a:p>
+            <a:r>
+              <a:rPr lang="en-CA" sz="10000" b="0" i="0" dirty="0">
+                <a:solidFill>
+                  <a:srgbClr val="000000"/>
+                </a:solidFill>
+                <a:effectLst/>
+                <a:latin typeface="Consolas" panose="020B0609020204030204" pitchFamily="49" charset="0"/>
+              </a:rPr>
+              <a:t>Intermediate Algorithm Scripting</a:t>
+            </a:r>
+            <a:br>
+              <a:rPr lang="en-CA" sz="10000" b="0" dirty="0">
+                <a:solidFill>
+                  <a:srgbClr val="000000"/>
+                </a:solidFill>
+                <a:effectLst/>
+                <a:latin typeface="Consolas" panose="020B0609020204030204" pitchFamily="49" charset="0"/>
+              </a:rPr>
+            </a:br>
+            <a:endParaRPr lang="en-CA" sz="10000" dirty="0">
+              <a:latin typeface="Consolas" panose="020B0609020204030204" pitchFamily="49" charset="0"/>
+            </a:endParaRPr>
+          </a:p>
+        </p:txBody>
+      </p:sp>
+      <p:sp>
+        <p:nvSpPr>
+          <p:cNvPr id="3" name="TextBox 2">
+            <a:extLst>
+              <a:ext uri="{FF2B5EF4-FFF2-40B4-BE49-F238E27FC236}">
+                <a16:creationId xmlns:a16="http://schemas.microsoft.com/office/drawing/2014/main" id="{3DB39387-5664-8139-736E-F2650F9D1233}"/>
+              </a:ext>
+            </a:extLst>
+          </p:cNvPr>
+          <p:cNvSpPr txBox="1"/>
+          <p:nvPr/>
+        </p:nvSpPr>
+        <p:spPr>
+          <a:xfrm>
+            <a:off x="1781908" y="937846"/>
+            <a:ext cx="8370276" cy="1015663"/>
+          </a:xfrm>
+          <a:prstGeom prst="rect">
+            <a:avLst/>
+          </a:prstGeom>
+          <a:noFill/>
+        </p:spPr>
+        <p:txBody>
+          <a:bodyPr wrap="square" rtlCol="0">
+            <a:spAutoFit/>
+          </a:bodyPr>
+          <a:lstStyle/>
+          <a:p>
+            <a:pPr algn="ctr"/>
+            <a:r>
+              <a:rPr lang="en-CA" sz="6000" dirty="0">
+                <a:latin typeface="Consolas" panose="020B0609020204030204" pitchFamily="49" charset="0"/>
+              </a:rPr>
+              <a:t>freeCodeCamp</a:t>
+            </a:r>
+          </a:p>
+        </p:txBody>
+      </p:sp>
+    </p:spTree>
+    <p:extLst>
+      <p:ext uri="{BB962C8B-B14F-4D97-AF65-F5344CB8AC3E}">
+        <p14:creationId xmlns:p14="http://schemas.microsoft.com/office/powerpoint/2010/main" val="3532880368"/>
       </p:ext>
     </p:extLst>
   </p:cSld>

--- a/assets/img/freeCodeCamp.pptx
+++ b/assets/img/freeCodeCamp.pptx
@@ -263,7 +263,7 @@
           <a:p>
             <a:fld id="{841E1D94-4A28-4BE4-9D5F-86DA98EABD7E}" type="datetimeFigureOut">
               <a:rPr lang="en-CA" smtClean="0"/>
-              <a:t>2022-07-23</a:t>
+              <a:t>2022-07-24</a:t>
             </a:fld>
             <a:endParaRPr lang="en-CA"/>
           </a:p>
@@ -463,7 +463,7 @@
           <a:p>
             <a:fld id="{841E1D94-4A28-4BE4-9D5F-86DA98EABD7E}" type="datetimeFigureOut">
               <a:rPr lang="en-CA" smtClean="0"/>
-              <a:t>2022-07-23</a:t>
+              <a:t>2022-07-24</a:t>
             </a:fld>
             <a:endParaRPr lang="en-CA"/>
           </a:p>
@@ -673,7 +673,7 @@
           <a:p>
             <a:fld id="{841E1D94-4A28-4BE4-9D5F-86DA98EABD7E}" type="datetimeFigureOut">
               <a:rPr lang="en-CA" smtClean="0"/>
-              <a:t>2022-07-23</a:t>
+              <a:t>2022-07-24</a:t>
             </a:fld>
             <a:endParaRPr lang="en-CA"/>
           </a:p>
@@ -873,7 +873,7 @@
           <a:p>
             <a:fld id="{841E1D94-4A28-4BE4-9D5F-86DA98EABD7E}" type="datetimeFigureOut">
               <a:rPr lang="en-CA" smtClean="0"/>
-              <a:t>2022-07-23</a:t>
+              <a:t>2022-07-24</a:t>
             </a:fld>
             <a:endParaRPr lang="en-CA"/>
           </a:p>
@@ -1149,7 +1149,7 @@
           <a:p>
             <a:fld id="{841E1D94-4A28-4BE4-9D5F-86DA98EABD7E}" type="datetimeFigureOut">
               <a:rPr lang="en-CA" smtClean="0"/>
-              <a:t>2022-07-23</a:t>
+              <a:t>2022-07-24</a:t>
             </a:fld>
             <a:endParaRPr lang="en-CA"/>
           </a:p>
@@ -1417,7 +1417,7 @@
           <a:p>
             <a:fld id="{841E1D94-4A28-4BE4-9D5F-86DA98EABD7E}" type="datetimeFigureOut">
               <a:rPr lang="en-CA" smtClean="0"/>
-              <a:t>2022-07-23</a:t>
+              <a:t>2022-07-24</a:t>
             </a:fld>
             <a:endParaRPr lang="en-CA"/>
           </a:p>
@@ -1832,7 +1832,7 @@
           <a:p>
             <a:fld id="{841E1D94-4A28-4BE4-9D5F-86DA98EABD7E}" type="datetimeFigureOut">
               <a:rPr lang="en-CA" smtClean="0"/>
-              <a:t>2022-07-23</a:t>
+              <a:t>2022-07-24</a:t>
             </a:fld>
             <a:endParaRPr lang="en-CA"/>
           </a:p>
@@ -1974,7 +1974,7 @@
           <a:p>
             <a:fld id="{841E1D94-4A28-4BE4-9D5F-86DA98EABD7E}" type="datetimeFigureOut">
               <a:rPr lang="en-CA" smtClean="0"/>
-              <a:t>2022-07-23</a:t>
+              <a:t>2022-07-24</a:t>
             </a:fld>
             <a:endParaRPr lang="en-CA"/>
           </a:p>
@@ -2087,7 +2087,7 @@
           <a:p>
             <a:fld id="{841E1D94-4A28-4BE4-9D5F-86DA98EABD7E}" type="datetimeFigureOut">
               <a:rPr lang="en-CA" smtClean="0"/>
-              <a:t>2022-07-23</a:t>
+              <a:t>2022-07-24</a:t>
             </a:fld>
             <a:endParaRPr lang="en-CA"/>
           </a:p>
@@ -2400,7 +2400,7 @@
           <a:p>
             <a:fld id="{841E1D94-4A28-4BE4-9D5F-86DA98EABD7E}" type="datetimeFigureOut">
               <a:rPr lang="en-CA" smtClean="0"/>
-              <a:t>2022-07-23</a:t>
+              <a:t>2022-07-24</a:t>
             </a:fld>
             <a:endParaRPr lang="en-CA"/>
           </a:p>
@@ -2689,7 +2689,7 @@
           <a:p>
             <a:fld id="{841E1D94-4A28-4BE4-9D5F-86DA98EABD7E}" type="datetimeFigureOut">
               <a:rPr lang="en-CA" smtClean="0"/>
-              <a:t>2022-07-23</a:t>
+              <a:t>2022-07-24</a:t>
             </a:fld>
             <a:endParaRPr lang="en-CA"/>
           </a:p>
@@ -2932,7 +2932,7 @@
           <a:p>
             <a:fld id="{841E1D94-4A28-4BE4-9D5F-86DA98EABD7E}" type="datetimeFigureOut">
               <a:rPr lang="en-CA" smtClean="0"/>
-              <a:t>2022-07-23</a:t>
+              <a:t>2022-07-24</a:t>
             </a:fld>
             <a:endParaRPr lang="en-CA"/>
           </a:p>
@@ -3367,8 +3367,8 @@
         </p:nvSpPr>
         <p:spPr>
           <a:xfrm>
-            <a:off x="1395046" y="5131656"/>
-            <a:ext cx="9144000" cy="2387600"/>
+            <a:off x="1570893" y="3971072"/>
+            <a:ext cx="8370276" cy="2387600"/>
           </a:xfrm>
         </p:spPr>
         <p:txBody>
@@ -3378,7 +3378,7 @@
           <a:lstStyle/>
           <a:p>
             <a:r>
-              <a:rPr lang="en-CA" sz="10000" b="0" dirty="0">
+              <a:rPr lang="en-CA" sz="8000" b="0" dirty="0">
                 <a:solidFill>
                   <a:srgbClr val="000000"/>
                 </a:solidFill>
@@ -3388,7 +3388,7 @@
               <a:t>Basic Algorithm Scripting</a:t>
             </a:r>
             <a:br>
-              <a:rPr lang="en-CA" sz="10000" b="0" dirty="0">
+              <a:rPr lang="en-CA" sz="8000" b="0" dirty="0">
                 <a:solidFill>
                   <a:srgbClr val="000000"/>
                 </a:solidFill>
@@ -3396,7 +3396,7 @@
                 <a:latin typeface="Consolas" panose="020B0609020204030204" pitchFamily="49" charset="0"/>
               </a:rPr>
             </a:br>
-            <a:endParaRPr lang="en-CA" sz="10000" dirty="0"/>
+            <a:endParaRPr lang="en-CA" sz="8000" dirty="0"/>
           </a:p>
         </p:txBody>
       </p:sp>
@@ -3486,7 +3486,7 @@
         </p:nvSpPr>
         <p:spPr>
           <a:xfrm>
-            <a:off x="1395046" y="3532554"/>
+            <a:off x="1395046" y="2786185"/>
             <a:ext cx="9144000" cy="2387600"/>
           </a:xfrm>
         </p:spPr>
@@ -3497,7 +3497,7 @@
           <a:lstStyle/>
           <a:p>
             <a:r>
-              <a:rPr lang="en-CA" sz="10000" b="0" dirty="0">
+              <a:rPr lang="en-CA" sz="8000" b="0" dirty="0">
                 <a:solidFill>
                   <a:srgbClr val="000000"/>
                 </a:solidFill>
@@ -3507,7 +3507,7 @@
               <a:t>Debugging </a:t>
             </a:r>
             <a:br>
-              <a:rPr lang="en-CA" sz="10000" b="0" dirty="0">
+              <a:rPr lang="en-CA" sz="8000" b="0" dirty="0">
                 <a:solidFill>
                   <a:srgbClr val="000000"/>
                 </a:solidFill>
@@ -3515,7 +3515,7 @@
                 <a:latin typeface="Consolas" panose="020B0609020204030204" pitchFamily="49" charset="0"/>
               </a:rPr>
             </a:br>
-            <a:endParaRPr lang="en-CA" sz="10000" dirty="0"/>
+            <a:endParaRPr lang="en-CA" sz="8000" dirty="0"/>
           </a:p>
         </p:txBody>
       </p:sp>
@@ -3605,7 +3605,7 @@
         </p:nvSpPr>
         <p:spPr>
           <a:xfrm>
-            <a:off x="1395046" y="5131656"/>
+            <a:off x="1395046" y="3971071"/>
             <a:ext cx="9144000" cy="2387600"/>
           </a:xfrm>
         </p:spPr>
@@ -3616,7 +3616,7 @@
           <a:lstStyle/>
           <a:p>
             <a:r>
-              <a:rPr lang="en-CA" sz="10000" b="0" i="0" dirty="0">
+              <a:rPr lang="en-CA" sz="8000" b="0" i="0" dirty="0">
                 <a:solidFill>
                   <a:srgbClr val="000000"/>
                 </a:solidFill>
@@ -3626,7 +3626,7 @@
               <a:t>Intermediate Algorithm Scripting</a:t>
             </a:r>
             <a:br>
-              <a:rPr lang="en-CA" sz="10000" b="0" dirty="0">
+              <a:rPr lang="en-CA" sz="8000" b="0" dirty="0">
                 <a:solidFill>
                   <a:srgbClr val="000000"/>
                 </a:solidFill>
@@ -3634,7 +3634,7 @@
                 <a:latin typeface="Consolas" panose="020B0609020204030204" pitchFamily="49" charset="0"/>
               </a:rPr>
             </a:br>
-            <a:endParaRPr lang="en-CA" sz="10000" dirty="0">
+            <a:endParaRPr lang="en-CA" sz="8000" dirty="0">
               <a:latin typeface="Consolas" panose="020B0609020204030204" pitchFamily="49" charset="0"/>
             </a:endParaRPr>
           </a:p>
